--- a/OSDMenu/Customizing OS Deployments in SCCM with PowerShell.pptx
+++ b/OSDMenu/Customizing OS Deployments in SCCM with PowerShell.pptx
@@ -5,7 +5,7 @@
     <p:sldMasterId id="2147483648" r:id="rId1"/>
   </p:sldMasterIdLst>
   <p:notesMasterIdLst>
-    <p:notesMasterId r:id="rId7"/>
+    <p:notesMasterId r:id="rId11"/>
   </p:notesMasterIdLst>
   <p:sldIdLst>
     <p:sldId id="256" r:id="rId2"/>
@@ -13,6 +13,10 @@
     <p:sldId id="258" r:id="rId4"/>
     <p:sldId id="259" r:id="rId5"/>
     <p:sldId id="260" r:id="rId6"/>
+    <p:sldId id="262" r:id="rId7"/>
+    <p:sldId id="264" r:id="rId8"/>
+    <p:sldId id="261" r:id="rId9"/>
+    <p:sldId id="263" r:id="rId10"/>
   </p:sldIdLst>
   <p:sldSz cx="12192000" cy="6858000"/>
   <p:notesSz cx="6858000" cy="9144000"/>
@@ -196,7 +200,7 @@
           <a:p>
             <a:fld id="{AB264551-7C9D-4291-8B64-79E35EDBBFDA}" type="datetimeFigureOut">
               <a:rPr lang="en-US" smtClean="0"/>
-              <a:t>6/6/2016</a:t>
+              <a:t>6/8/2016</a:t>
             </a:fld>
             <a:endParaRPr lang="en-US"/>
           </a:p>
@@ -510,6 +514,106 @@
           <a:p>
             <a:r>
               <a:rPr lang="en-US" dirty="0" smtClean="0"/>
+              <a:t>Quick demo of </a:t>
+            </a:r>
+            <a:r>
+              <a:rPr lang="en-US" dirty="0" err="1" smtClean="0"/>
+              <a:t>Config</a:t>
+            </a:r>
+            <a:r>
+              <a:rPr lang="en-US" dirty="0" smtClean="0"/>
+              <a:t> Manager</a:t>
+            </a:r>
+            <a:r>
+              <a:rPr lang="en-US" baseline="0" dirty="0" smtClean="0"/>
+              <a:t> Menu</a:t>
+            </a:r>
+            <a:endParaRPr lang="en-US" dirty="0"/>
+          </a:p>
+        </p:txBody>
+      </p:sp>
+      <p:sp>
+        <p:nvSpPr>
+          <p:cNvPr id="4" name="Slide Number Placeholder 3"/>
+          <p:cNvSpPr>
+            <a:spLocks noGrp="1"/>
+          </p:cNvSpPr>
+          <p:nvPr>
+            <p:ph type="sldNum" sz="quarter" idx="10"/>
+          </p:nvPr>
+        </p:nvSpPr>
+        <p:spPr/>
+        <p:txBody>
+          <a:bodyPr/>
+          <a:lstStyle/>
+          <a:p>
+            <a:fld id="{8836B1E1-8BE5-4BB9-95D9-A213A947824B}" type="slidenum">
+              <a:rPr lang="en-US" smtClean="0"/>
+              <a:t>3</a:t>
+            </a:fld>
+            <a:endParaRPr lang="en-US"/>
+          </a:p>
+        </p:txBody>
+      </p:sp>
+    </p:spTree>
+    <p:extLst>
+      <p:ext uri="{BB962C8B-B14F-4D97-AF65-F5344CB8AC3E}">
+        <p14:creationId xmlns:p14="http://schemas.microsoft.com/office/powerpoint/2010/main" val="752147984"/>
+      </p:ext>
+    </p:extLst>
+  </p:cSld>
+  <p:clrMapOvr>
+    <a:masterClrMapping/>
+  </p:clrMapOvr>
+</p:notes>
+</file>
+
+<file path=ppt/notesSlides/notesSlide2.xml><?xml version="1.0" encoding="utf-8"?>
+<p:notes xmlns:a="http://schemas.openxmlformats.org/drawingml/2006/main" xmlns:r="http://schemas.openxmlformats.org/officeDocument/2006/relationships" xmlns:p="http://schemas.openxmlformats.org/presentationml/2006/main">
+  <p:cSld>
+    <p:spTree>
+      <p:nvGrpSpPr>
+        <p:cNvPr id="1" name=""/>
+        <p:cNvGrpSpPr/>
+        <p:nvPr/>
+      </p:nvGrpSpPr>
+      <p:grpSpPr>
+        <a:xfrm>
+          <a:off x="0" y="0"/>
+          <a:ext cx="0" cy="0"/>
+          <a:chOff x="0" y="0"/>
+          <a:chExt cx="0" cy="0"/>
+        </a:xfrm>
+      </p:grpSpPr>
+      <p:sp>
+        <p:nvSpPr>
+          <p:cNvPr id="2" name="Slide Image Placeholder 1"/>
+          <p:cNvSpPr>
+            <a:spLocks noGrp="1" noRot="1" noChangeAspect="1"/>
+          </p:cNvSpPr>
+          <p:nvPr>
+            <p:ph type="sldImg"/>
+          </p:nvPr>
+        </p:nvSpPr>
+        <p:spPr/>
+      </p:sp>
+      <p:sp>
+        <p:nvSpPr>
+          <p:cNvPr id="3" name="Notes Placeholder 2"/>
+          <p:cNvSpPr>
+            <a:spLocks noGrp="1"/>
+          </p:cNvSpPr>
+          <p:nvPr>
+            <p:ph type="body" idx="1"/>
+          </p:nvPr>
+        </p:nvSpPr>
+        <p:spPr/>
+        <p:txBody>
+          <a:bodyPr/>
+          <a:lstStyle/>
+          <a:p>
+            <a:r>
+              <a:rPr lang="en-US" dirty="0" smtClean="0"/>
               <a:t>Collection variables</a:t>
             </a:r>
             <a:r>
@@ -609,6 +713,309 @@
     <p:extLst>
       <p:ext uri="{BB962C8B-B14F-4D97-AF65-F5344CB8AC3E}">
         <p14:creationId xmlns:p14="http://schemas.microsoft.com/office/powerpoint/2010/main" val="1628981230"/>
+      </p:ext>
+    </p:extLst>
+  </p:cSld>
+  <p:clrMapOvr>
+    <a:masterClrMapping/>
+  </p:clrMapOvr>
+</p:notes>
+</file>
+
+<file path=ppt/notesSlides/notesSlide3.xml><?xml version="1.0" encoding="utf-8"?>
+<p:notes xmlns:a="http://schemas.openxmlformats.org/drawingml/2006/main" xmlns:r="http://schemas.openxmlformats.org/officeDocument/2006/relationships" xmlns:p="http://schemas.openxmlformats.org/presentationml/2006/main">
+  <p:cSld>
+    <p:spTree>
+      <p:nvGrpSpPr>
+        <p:cNvPr id="1" name=""/>
+        <p:cNvGrpSpPr/>
+        <p:nvPr/>
+      </p:nvGrpSpPr>
+      <p:grpSpPr>
+        <a:xfrm>
+          <a:off x="0" y="0"/>
+          <a:ext cx="0" cy="0"/>
+          <a:chOff x="0" y="0"/>
+          <a:chExt cx="0" cy="0"/>
+        </a:xfrm>
+      </p:grpSpPr>
+      <p:sp>
+        <p:nvSpPr>
+          <p:cNvPr id="2" name="Slide Image Placeholder 1"/>
+          <p:cNvSpPr>
+            <a:spLocks noGrp="1" noRot="1" noChangeAspect="1"/>
+          </p:cNvSpPr>
+          <p:nvPr>
+            <p:ph type="sldImg"/>
+          </p:nvPr>
+        </p:nvSpPr>
+        <p:spPr/>
+      </p:sp>
+      <p:sp>
+        <p:nvSpPr>
+          <p:cNvPr id="3" name="Notes Placeholder 2"/>
+          <p:cNvSpPr>
+            <a:spLocks noGrp="1"/>
+          </p:cNvSpPr>
+          <p:nvPr>
+            <p:ph type="body" idx="1"/>
+          </p:nvPr>
+        </p:nvSpPr>
+        <p:spPr/>
+        <p:txBody>
+          <a:bodyPr/>
+          <a:lstStyle/>
+          <a:p>
+            <a:pPr lvl="1"/>
+            <a:r>
+              <a:rPr lang="en-US" sz="1200" kern="1200" dirty="0" smtClean="0">
+                <a:solidFill>
+                  <a:schemeClr val="tx1"/>
+                </a:solidFill>
+                <a:effectLst/>
+                <a:latin typeface="+mn-lt"/>
+                <a:ea typeface="+mn-ea"/>
+                <a:cs typeface="+mn-cs"/>
+              </a:rPr>
+              <a:t>How </a:t>
+            </a:r>
+            <a:r>
+              <a:rPr lang="en-US" sz="1200" kern="1200" dirty="0" err="1" smtClean="0">
+                <a:solidFill>
+                  <a:schemeClr val="tx1"/>
+                </a:solidFill>
+                <a:effectLst/>
+                <a:latin typeface="+mn-lt"/>
+                <a:ea typeface="+mn-ea"/>
+                <a:cs typeface="+mn-cs"/>
+              </a:rPr>
+              <a:t>powershell</a:t>
+            </a:r>
+            <a:r>
+              <a:rPr lang="en-US" sz="1200" kern="1200" dirty="0" smtClean="0">
+                <a:solidFill>
+                  <a:schemeClr val="tx1"/>
+                </a:solidFill>
+                <a:effectLst/>
+                <a:latin typeface="+mn-lt"/>
+                <a:ea typeface="+mn-ea"/>
+                <a:cs typeface="+mn-cs"/>
+              </a:rPr>
+              <a:t> interacts with the menu</a:t>
+            </a:r>
+          </a:p>
+          <a:p>
+            <a:pPr lvl="1"/>
+            <a:r>
+              <a:rPr lang="en-US" sz="1200" kern="1200" dirty="0" smtClean="0">
+                <a:solidFill>
+                  <a:schemeClr val="tx1"/>
+                </a:solidFill>
+                <a:effectLst/>
+                <a:latin typeface="+mn-lt"/>
+                <a:ea typeface="+mn-ea"/>
+                <a:cs typeface="+mn-cs"/>
+              </a:rPr>
+              <a:t>How </a:t>
+            </a:r>
+            <a:r>
+              <a:rPr lang="en-US" sz="1200" kern="1200" dirty="0" err="1" smtClean="0">
+                <a:solidFill>
+                  <a:schemeClr val="tx1"/>
+                </a:solidFill>
+                <a:effectLst/>
+                <a:latin typeface="+mn-lt"/>
+                <a:ea typeface="+mn-ea"/>
+                <a:cs typeface="+mn-cs"/>
+              </a:rPr>
+              <a:t>powershell</a:t>
+            </a:r>
+            <a:r>
+              <a:rPr lang="en-US" sz="1200" kern="1200" dirty="0" smtClean="0">
+                <a:solidFill>
+                  <a:schemeClr val="tx1"/>
+                </a:solidFill>
+                <a:effectLst/>
+                <a:latin typeface="+mn-lt"/>
+                <a:ea typeface="+mn-ea"/>
+                <a:cs typeface="+mn-cs"/>
+              </a:rPr>
+              <a:t> interacts with OSD</a:t>
+            </a:r>
+          </a:p>
+          <a:p>
+            <a:pPr lvl="2"/>
+            <a:r>
+              <a:rPr lang="en-US" sz="1200" kern="1200" dirty="0" err="1" smtClean="0">
+                <a:solidFill>
+                  <a:schemeClr val="tx1"/>
+                </a:solidFill>
+                <a:effectLst/>
+                <a:latin typeface="+mn-lt"/>
+                <a:ea typeface="+mn-ea"/>
+                <a:cs typeface="+mn-cs"/>
+              </a:rPr>
+              <a:t>xaml</a:t>
+            </a:r>
+            <a:r>
+              <a:rPr lang="en-US" sz="1200" kern="1200" dirty="0" smtClean="0">
+                <a:solidFill>
+                  <a:schemeClr val="tx1"/>
+                </a:solidFill>
+                <a:effectLst/>
+                <a:latin typeface="+mn-lt"/>
+                <a:ea typeface="+mn-ea"/>
+                <a:cs typeface="+mn-cs"/>
+              </a:rPr>
+              <a:t> in VS</a:t>
+            </a:r>
+          </a:p>
+          <a:p>
+            <a:pPr lvl="2"/>
+            <a:r>
+              <a:rPr lang="en-US" sz="1200" kern="1200" dirty="0" smtClean="0">
+                <a:solidFill>
+                  <a:schemeClr val="tx1"/>
+                </a:solidFill>
+                <a:effectLst/>
+                <a:latin typeface="+mn-lt"/>
+                <a:ea typeface="+mn-ea"/>
+                <a:cs typeface="+mn-cs"/>
+              </a:rPr>
+              <a:t>script</a:t>
+            </a:r>
+          </a:p>
+          <a:p>
+            <a:pPr lvl="3"/>
+            <a:r>
+              <a:rPr lang="en-US" sz="1200" kern="1200" dirty="0" smtClean="0">
+                <a:solidFill>
+                  <a:schemeClr val="tx1"/>
+                </a:solidFill>
+                <a:effectLst/>
+                <a:latin typeface="+mn-lt"/>
+                <a:ea typeface="+mn-ea"/>
+                <a:cs typeface="+mn-cs"/>
+              </a:rPr>
+              <a:t>testing outside of OSD</a:t>
+            </a:r>
+          </a:p>
+          <a:p>
+            <a:endParaRPr lang="en-US" dirty="0"/>
+          </a:p>
+        </p:txBody>
+      </p:sp>
+      <p:sp>
+        <p:nvSpPr>
+          <p:cNvPr id="4" name="Slide Number Placeholder 3"/>
+          <p:cNvSpPr>
+            <a:spLocks noGrp="1"/>
+          </p:cNvSpPr>
+          <p:nvPr>
+            <p:ph type="sldNum" sz="quarter" idx="10"/>
+          </p:nvPr>
+        </p:nvSpPr>
+        <p:spPr/>
+        <p:txBody>
+          <a:bodyPr/>
+          <a:lstStyle/>
+          <a:p>
+            <a:fld id="{8836B1E1-8BE5-4BB9-95D9-A213A947824B}" type="slidenum">
+              <a:rPr lang="en-US" smtClean="0"/>
+              <a:t>5</a:t>
+            </a:fld>
+            <a:endParaRPr lang="en-US"/>
+          </a:p>
+        </p:txBody>
+      </p:sp>
+    </p:spTree>
+    <p:extLst>
+      <p:ext uri="{BB962C8B-B14F-4D97-AF65-F5344CB8AC3E}">
+        <p14:creationId xmlns:p14="http://schemas.microsoft.com/office/powerpoint/2010/main" val="4083733592"/>
+      </p:ext>
+    </p:extLst>
+  </p:cSld>
+  <p:clrMapOvr>
+    <a:masterClrMapping/>
+  </p:clrMapOvr>
+</p:notes>
+</file>
+
+<file path=ppt/notesSlides/notesSlide4.xml><?xml version="1.0" encoding="utf-8"?>
+<p:notes xmlns:a="http://schemas.openxmlformats.org/drawingml/2006/main" xmlns:r="http://schemas.openxmlformats.org/officeDocument/2006/relationships" xmlns:p="http://schemas.openxmlformats.org/presentationml/2006/main">
+  <p:cSld>
+    <p:spTree>
+      <p:nvGrpSpPr>
+        <p:cNvPr id="1" name=""/>
+        <p:cNvGrpSpPr/>
+        <p:nvPr/>
+      </p:nvGrpSpPr>
+      <p:grpSpPr>
+        <a:xfrm>
+          <a:off x="0" y="0"/>
+          <a:ext cx="0" cy="0"/>
+          <a:chOff x="0" y="0"/>
+          <a:chExt cx="0" cy="0"/>
+        </a:xfrm>
+      </p:grpSpPr>
+      <p:sp>
+        <p:nvSpPr>
+          <p:cNvPr id="2" name="Slide Image Placeholder 1"/>
+          <p:cNvSpPr>
+            <a:spLocks noGrp="1" noRot="1" noChangeAspect="1"/>
+          </p:cNvSpPr>
+          <p:nvPr>
+            <p:ph type="sldImg"/>
+          </p:nvPr>
+        </p:nvSpPr>
+        <p:spPr/>
+      </p:sp>
+      <p:sp>
+        <p:nvSpPr>
+          <p:cNvPr id="3" name="Notes Placeholder 2"/>
+          <p:cNvSpPr>
+            <a:spLocks noGrp="1"/>
+          </p:cNvSpPr>
+          <p:nvPr>
+            <p:ph type="body" idx="1"/>
+          </p:nvPr>
+        </p:nvSpPr>
+        <p:spPr/>
+        <p:txBody>
+          <a:bodyPr/>
+          <a:lstStyle/>
+          <a:p>
+            <a:endParaRPr lang="en-US" dirty="0"/>
+          </a:p>
+        </p:txBody>
+      </p:sp>
+      <p:sp>
+        <p:nvSpPr>
+          <p:cNvPr id="4" name="Slide Number Placeholder 3"/>
+          <p:cNvSpPr>
+            <a:spLocks noGrp="1"/>
+          </p:cNvSpPr>
+          <p:nvPr>
+            <p:ph type="sldNum" sz="quarter" idx="10"/>
+          </p:nvPr>
+        </p:nvSpPr>
+        <p:spPr/>
+        <p:txBody>
+          <a:bodyPr/>
+          <a:lstStyle/>
+          <a:p>
+            <a:fld id="{8836B1E1-8BE5-4BB9-95D9-A213A947824B}" type="slidenum">
+              <a:rPr lang="en-US" smtClean="0"/>
+              <a:t>8</a:t>
+            </a:fld>
+            <a:endParaRPr lang="en-US"/>
+          </a:p>
+        </p:txBody>
+      </p:sp>
+    </p:spTree>
+    <p:extLst>
+      <p:ext uri="{BB962C8B-B14F-4D97-AF65-F5344CB8AC3E}">
+        <p14:creationId xmlns:p14="http://schemas.microsoft.com/office/powerpoint/2010/main" val="4087048066"/>
       </p:ext>
     </p:extLst>
   </p:cSld>
@@ -749,7 +1156,7 @@
           <a:p>
             <a:fld id="{C764DE79-268F-4C1A-8933-263129D2AF90}" type="datetimeFigureOut">
               <a:rPr lang="en-US" dirty="0"/>
-              <a:t>6/6/2016</a:t>
+              <a:t>6/8/2016</a:t>
             </a:fld>
             <a:endParaRPr lang="en-US" dirty="0"/>
           </a:p>
@@ -914,7 +1321,7 @@
           <a:p>
             <a:fld id="{C764DE79-268F-4C1A-8933-263129D2AF90}" type="datetimeFigureOut">
               <a:rPr lang="en-US" dirty="0"/>
-              <a:t>6/6/2016</a:t>
+              <a:t>6/8/2016</a:t>
             </a:fld>
             <a:endParaRPr lang="en-US" dirty="0"/>
           </a:p>
@@ -1089,7 +1496,7 @@
           <a:p>
             <a:fld id="{C764DE79-268F-4C1A-8933-263129D2AF90}" type="datetimeFigureOut">
               <a:rPr lang="en-US" dirty="0"/>
-              <a:t>6/6/2016</a:t>
+              <a:t>6/8/2016</a:t>
             </a:fld>
             <a:endParaRPr lang="en-US" dirty="0"/>
           </a:p>
@@ -1254,7 +1661,7 @@
           <a:p>
             <a:fld id="{C764DE79-268F-4C1A-8933-263129D2AF90}" type="datetimeFigureOut">
               <a:rPr lang="en-US" dirty="0"/>
-              <a:t>6/6/2016</a:t>
+              <a:t>6/8/2016</a:t>
             </a:fld>
             <a:endParaRPr lang="en-US" dirty="0"/>
           </a:p>
@@ -1495,7 +1902,7 @@
           <a:p>
             <a:fld id="{C764DE79-268F-4C1A-8933-263129D2AF90}" type="datetimeFigureOut">
               <a:rPr lang="en-US" dirty="0"/>
-              <a:t>6/6/2016</a:t>
+              <a:t>6/8/2016</a:t>
             </a:fld>
             <a:endParaRPr lang="en-US" dirty="0"/>
           </a:p>
@@ -1722,7 +2129,7 @@
           <a:p>
             <a:fld id="{C764DE79-268F-4C1A-8933-263129D2AF90}" type="datetimeFigureOut">
               <a:rPr lang="en-US" dirty="0"/>
-              <a:t>6/6/2016</a:t>
+              <a:t>6/8/2016</a:t>
             </a:fld>
             <a:endParaRPr lang="en-US" dirty="0"/>
           </a:p>
@@ -2084,7 +2491,7 @@
           <a:p>
             <a:fld id="{C764DE79-268F-4C1A-8933-263129D2AF90}" type="datetimeFigureOut">
               <a:rPr lang="en-US" dirty="0"/>
-              <a:t>6/6/2016</a:t>
+              <a:t>6/8/2016</a:t>
             </a:fld>
             <a:endParaRPr lang="en-US" dirty="0"/>
           </a:p>
@@ -2197,7 +2604,7 @@
           <a:p>
             <a:fld id="{C764DE79-268F-4C1A-8933-263129D2AF90}" type="datetimeFigureOut">
               <a:rPr lang="en-US" dirty="0"/>
-              <a:t>6/6/2016</a:t>
+              <a:t>6/8/2016</a:t>
             </a:fld>
             <a:endParaRPr lang="en-US" dirty="0"/>
           </a:p>
@@ -2287,7 +2694,7 @@
           <a:p>
             <a:fld id="{C764DE79-268F-4C1A-8933-263129D2AF90}" type="datetimeFigureOut">
               <a:rPr lang="en-US" dirty="0"/>
-              <a:t>6/6/2016</a:t>
+              <a:t>6/8/2016</a:t>
             </a:fld>
             <a:endParaRPr lang="en-US" dirty="0"/>
           </a:p>
@@ -2559,7 +2966,7 @@
           <a:p>
             <a:fld id="{C764DE79-268F-4C1A-8933-263129D2AF90}" type="datetimeFigureOut">
               <a:rPr lang="en-US" dirty="0"/>
-              <a:t>6/6/2016</a:t>
+              <a:t>6/8/2016</a:t>
             </a:fld>
             <a:endParaRPr lang="en-US" dirty="0"/>
           </a:p>
@@ -2811,7 +3218,7 @@
           <a:p>
             <a:fld id="{C764DE79-268F-4C1A-8933-263129D2AF90}" type="datetimeFigureOut">
               <a:rPr lang="en-US" dirty="0"/>
-              <a:t>6/6/2016</a:t>
+              <a:t>6/8/2016</a:t>
             </a:fld>
             <a:endParaRPr lang="en-US" dirty="0"/>
           </a:p>
@@ -3019,7 +3426,7 @@
           <a:p>
             <a:fld id="{C764DE79-268F-4C1A-8933-263129D2AF90}" type="datetimeFigureOut">
               <a:rPr lang="en-US" dirty="0"/>
-              <a:t>6/6/2016</a:t>
+              <a:t>6/8/2016</a:t>
             </a:fld>
             <a:endParaRPr lang="en-US" dirty="0"/>
           </a:p>
@@ -3438,7 +3845,6 @@
               <a:rPr lang="en-US" dirty="0"/>
               <a:t>Customizing OS Deployments in SCCM with PowerShell</a:t>
             </a:r>
-            <a:endParaRPr lang="en-US" dirty="0"/>
           </a:p>
         </p:txBody>
       </p:sp>
@@ -3465,6 +3871,36 @@
           </a:p>
         </p:txBody>
       </p:sp>
+      <p:pic>
+        <p:nvPicPr>
+          <p:cNvPr id="4" name="Picture 3"/>
+          <p:cNvPicPr>
+            <a:picLocks noChangeAspect="1"/>
+          </p:cNvPicPr>
+          <p:nvPr/>
+        </p:nvPicPr>
+        <p:blipFill>
+          <a:blip r:embed="rId2">
+            <a:extLst>
+              <a:ext uri="{28A0092B-C50C-407E-A947-70E740481C1C}">
+                <a14:useLocalDpi xmlns:a14="http://schemas.microsoft.com/office/drawing/2010/main" val="0"/>
+              </a:ext>
+            </a:extLst>
+          </a:blip>
+          <a:stretch>
+            <a:fillRect/>
+          </a:stretch>
+        </p:blipFill>
+        <p:spPr>
+          <a:xfrm>
+            <a:off x="5096607" y="4127256"/>
+            <a:ext cx="1905000" cy="666750"/>
+          </a:xfrm>
+          <a:prstGeom prst="rect">
+            <a:avLst/>
+          </a:prstGeom>
+        </p:spPr>
+      </p:pic>
     </p:spTree>
     <p:extLst>
       <p:ext uri="{BB962C8B-B14F-4D97-AF65-F5344CB8AC3E}">
@@ -3540,6 +3976,9 @@
           <a:bodyPr/>
           <a:lstStyle/>
           <a:p>
+            <a:pPr marL="0" indent="0">
+              <a:buNone/>
+            </a:pPr>
             <a:r>
               <a:rPr lang="en-US" dirty="0" smtClean="0"/>
               <a:t>Principle System Engineer with Publix Supermarkets</a:t>
@@ -3561,12 +4000,26 @@
               <a:rPr lang="en-US" dirty="0" smtClean="0"/>
               <a:t>LinkedIn -  </a:t>
             </a:r>
+            <a:r>
+              <a:rPr lang="en-US" dirty="0"/>
+              <a:t>https://www.linkedin.com/in/jonathanwarnken</a:t>
+            </a:r>
+            <a:endParaRPr lang="en-US" dirty="0" smtClean="0"/>
           </a:p>
           <a:p>
             <a:r>
               <a:rPr lang="en-US" dirty="0" smtClean="0"/>
-              <a:t>Blog -</a:t>
-            </a:r>
+              <a:t>Blog </a:t>
+            </a:r>
+            <a:r>
+              <a:rPr lang="en-US" dirty="0"/>
+              <a:t>- http://</a:t>
+            </a:r>
+            <a:r>
+              <a:rPr lang="en-US" dirty="0" smtClean="0"/>
+              <a:t>mrbodean.azurewebsites.net</a:t>
+            </a:r>
+            <a:endParaRPr lang="en-US" dirty="0" smtClean="0"/>
           </a:p>
           <a:p>
             <a:r>
@@ -3575,10 +4028,9 @@
             </a:r>
           </a:p>
           <a:p>
-            <a:r>
-              <a:rPr lang="en-US" dirty="0" smtClean="0"/>
-              <a:t>Powershell.org</a:t>
-            </a:r>
+            <a:pPr marL="0" indent="0">
+              <a:buNone/>
+            </a:pPr>
             <a:endParaRPr lang="en-US" dirty="0"/>
           </a:p>
         </p:txBody>
@@ -4627,7 +5079,15 @@
           <a:bodyPr/>
           <a:lstStyle/>
           <a:p>
-            <a:endParaRPr lang="en-US"/>
+            <a:r>
+              <a:rPr lang="en-US" dirty="0" smtClean="0"/>
+              <a:t>Create the </a:t>
+            </a:r>
+            <a:r>
+              <a:rPr lang="en-US" dirty="0" err="1" smtClean="0"/>
+              <a:t>Gui</a:t>
+            </a:r>
+            <a:endParaRPr lang="en-US" dirty="0"/>
           </a:p>
         </p:txBody>
       </p:sp>
@@ -4646,7 +5106,11 @@
           <a:bodyPr/>
           <a:lstStyle/>
           <a:p>
-            <a:endParaRPr lang="en-US"/>
+            <a:r>
+              <a:rPr lang="en-US" dirty="0" smtClean="0"/>
+              <a:t>Demo</a:t>
+            </a:r>
+            <a:endParaRPr lang="en-US" dirty="0"/>
           </a:p>
         </p:txBody>
       </p:sp>
@@ -4667,6 +5131,463 @@
       </p:par>
     </p:tnLst>
   </p:timing>
+</p:sld>
+</file>
+
+<file path=ppt/slides/slide6.xml><?xml version="1.0" encoding="utf-8"?>
+<p:sld xmlns:a="http://schemas.openxmlformats.org/drawingml/2006/main" xmlns:r="http://schemas.openxmlformats.org/officeDocument/2006/relationships" xmlns:p="http://schemas.openxmlformats.org/presentationml/2006/main">
+  <p:cSld>
+    <p:spTree>
+      <p:nvGrpSpPr>
+        <p:cNvPr id="1" name=""/>
+        <p:cNvGrpSpPr/>
+        <p:nvPr/>
+      </p:nvGrpSpPr>
+      <p:grpSpPr>
+        <a:xfrm>
+          <a:off x="0" y="0"/>
+          <a:ext cx="0" cy="0"/>
+          <a:chOff x="0" y="0"/>
+          <a:chExt cx="0" cy="0"/>
+        </a:xfrm>
+      </p:grpSpPr>
+      <p:sp>
+        <p:nvSpPr>
+          <p:cNvPr id="2" name="Title 1"/>
+          <p:cNvSpPr>
+            <a:spLocks noGrp="1"/>
+          </p:cNvSpPr>
+          <p:nvPr>
+            <p:ph type="title"/>
+          </p:nvPr>
+        </p:nvSpPr>
+        <p:spPr/>
+        <p:txBody>
+          <a:bodyPr/>
+          <a:lstStyle/>
+          <a:p>
+            <a:r>
+              <a:rPr lang="en-US" dirty="0" smtClean="0"/>
+              <a:t>Deploying the Menu</a:t>
+            </a:r>
+            <a:endParaRPr lang="en-US" dirty="0"/>
+          </a:p>
+        </p:txBody>
+      </p:sp>
+      <p:sp>
+        <p:nvSpPr>
+          <p:cNvPr id="3" name="Content Placeholder 2"/>
+          <p:cNvSpPr>
+            <a:spLocks noGrp="1"/>
+          </p:cNvSpPr>
+          <p:nvPr>
+            <p:ph idx="1"/>
+          </p:nvPr>
+        </p:nvSpPr>
+        <p:spPr/>
+        <p:txBody>
+          <a:bodyPr/>
+          <a:lstStyle/>
+          <a:p>
+            <a:r>
+              <a:rPr lang="en-US" dirty="0" smtClean="0"/>
+              <a:t>Add it to the task sequence</a:t>
+            </a:r>
+          </a:p>
+          <a:p>
+            <a:pPr lvl="1"/>
+            <a:r>
+              <a:rPr lang="en-US" dirty="0" smtClean="0"/>
+              <a:t>Bare </a:t>
+            </a:r>
+            <a:r>
+              <a:rPr lang="en-US" dirty="0" err="1" smtClean="0"/>
+              <a:t>metal,pxe</a:t>
+            </a:r>
+            <a:r>
+              <a:rPr lang="en-US" dirty="0" smtClean="0"/>
+              <a:t>, and media </a:t>
+            </a:r>
+          </a:p>
+          <a:p>
+            <a:pPr lvl="2"/>
+            <a:r>
+              <a:rPr lang="en-US" dirty="0" smtClean="0"/>
+              <a:t>Boot disk requirements</a:t>
+            </a:r>
+          </a:p>
+          <a:p>
+            <a:pPr lvl="1"/>
+            <a:r>
+              <a:rPr lang="en-US" dirty="0" smtClean="0"/>
+              <a:t>Existing clients</a:t>
+            </a:r>
+          </a:p>
+          <a:p>
+            <a:pPr lvl="2"/>
+            <a:r>
+              <a:rPr lang="en-US" dirty="0" err="1" smtClean="0"/>
+              <a:t>ServiceUI</a:t>
+            </a:r>
+            <a:endParaRPr lang="en-US" dirty="0" smtClean="0"/>
+          </a:p>
+          <a:p>
+            <a:endParaRPr lang="en-US" dirty="0"/>
+          </a:p>
+        </p:txBody>
+      </p:sp>
+    </p:spTree>
+    <p:extLst>
+      <p:ext uri="{BB962C8B-B14F-4D97-AF65-F5344CB8AC3E}">
+        <p14:creationId xmlns:p14="http://schemas.microsoft.com/office/powerpoint/2010/main" val="1089095953"/>
+      </p:ext>
+    </p:extLst>
+  </p:cSld>
+  <p:clrMapOvr>
+    <a:masterClrMapping/>
+  </p:clrMapOvr>
+</p:sld>
+</file>
+
+<file path=ppt/slides/slide7.xml><?xml version="1.0" encoding="utf-8"?>
+<p:sld xmlns:a="http://schemas.openxmlformats.org/drawingml/2006/main" xmlns:r="http://schemas.openxmlformats.org/officeDocument/2006/relationships" xmlns:p="http://schemas.openxmlformats.org/presentationml/2006/main">
+  <p:cSld>
+    <p:spTree>
+      <p:nvGrpSpPr>
+        <p:cNvPr id="1" name=""/>
+        <p:cNvGrpSpPr/>
+        <p:nvPr/>
+      </p:nvGrpSpPr>
+      <p:grpSpPr>
+        <a:xfrm>
+          <a:off x="0" y="0"/>
+          <a:ext cx="0" cy="0"/>
+          <a:chOff x="0" y="0"/>
+          <a:chExt cx="0" cy="0"/>
+        </a:xfrm>
+      </p:grpSpPr>
+      <p:sp>
+        <p:nvSpPr>
+          <p:cNvPr id="2" name="Title 1"/>
+          <p:cNvSpPr>
+            <a:spLocks noGrp="1"/>
+          </p:cNvSpPr>
+          <p:nvPr>
+            <p:ph type="title"/>
+          </p:nvPr>
+        </p:nvSpPr>
+        <p:spPr/>
+        <p:txBody>
+          <a:bodyPr/>
+          <a:lstStyle/>
+          <a:p>
+            <a:r>
+              <a:rPr lang="en-US" dirty="0" smtClean="0"/>
+              <a:t>Using the Menu</a:t>
+            </a:r>
+            <a:endParaRPr lang="en-US" dirty="0"/>
+          </a:p>
+        </p:txBody>
+      </p:sp>
+      <p:sp>
+        <p:nvSpPr>
+          <p:cNvPr id="3" name="Content Placeholder 2"/>
+          <p:cNvSpPr>
+            <a:spLocks noGrp="1"/>
+          </p:cNvSpPr>
+          <p:nvPr>
+            <p:ph idx="1"/>
+          </p:nvPr>
+        </p:nvSpPr>
+        <p:spPr/>
+        <p:txBody>
+          <a:bodyPr/>
+          <a:lstStyle/>
+          <a:p>
+            <a:r>
+              <a:rPr lang="en-US" dirty="0" smtClean="0"/>
+              <a:t>Demo</a:t>
+            </a:r>
+            <a:endParaRPr lang="en-US" dirty="0"/>
+          </a:p>
+        </p:txBody>
+      </p:sp>
+    </p:spTree>
+    <p:extLst>
+      <p:ext uri="{BB962C8B-B14F-4D97-AF65-F5344CB8AC3E}">
+        <p14:creationId xmlns:p14="http://schemas.microsoft.com/office/powerpoint/2010/main" val="2308756693"/>
+      </p:ext>
+    </p:extLst>
+  </p:cSld>
+  <p:clrMapOvr>
+    <a:masterClrMapping/>
+  </p:clrMapOvr>
+</p:sld>
+</file>
+
+<file path=ppt/slides/slide8.xml><?xml version="1.0" encoding="utf-8"?>
+<p:sld xmlns:a="http://schemas.openxmlformats.org/drawingml/2006/main" xmlns:r="http://schemas.openxmlformats.org/officeDocument/2006/relationships" xmlns:p="http://schemas.openxmlformats.org/presentationml/2006/main">
+  <p:cSld>
+    <p:spTree>
+      <p:nvGrpSpPr>
+        <p:cNvPr id="1" name=""/>
+        <p:cNvGrpSpPr/>
+        <p:nvPr/>
+      </p:nvGrpSpPr>
+      <p:grpSpPr>
+        <a:xfrm>
+          <a:off x="0" y="0"/>
+          <a:ext cx="0" cy="0"/>
+          <a:chOff x="0" y="0"/>
+          <a:chExt cx="0" cy="0"/>
+        </a:xfrm>
+      </p:grpSpPr>
+      <p:sp>
+        <p:nvSpPr>
+          <p:cNvPr id="2" name="Title 1"/>
+          <p:cNvSpPr>
+            <a:spLocks noGrp="1"/>
+          </p:cNvSpPr>
+          <p:nvPr>
+            <p:ph type="title"/>
+          </p:nvPr>
+        </p:nvSpPr>
+        <p:spPr/>
+        <p:txBody>
+          <a:bodyPr/>
+          <a:lstStyle/>
+          <a:p>
+            <a:r>
+              <a:rPr lang="en-US" dirty="0" smtClean="0"/>
+              <a:t>Resources </a:t>
+            </a:r>
+            <a:endParaRPr lang="en-US" dirty="0"/>
+          </a:p>
+        </p:txBody>
+      </p:sp>
+      <p:sp>
+        <p:nvSpPr>
+          <p:cNvPr id="3" name="Content Placeholder 2"/>
+          <p:cNvSpPr>
+            <a:spLocks noGrp="1"/>
+          </p:cNvSpPr>
+          <p:nvPr>
+            <p:ph idx="1"/>
+          </p:nvPr>
+        </p:nvSpPr>
+        <p:spPr/>
+        <p:txBody>
+          <a:bodyPr/>
+          <a:lstStyle/>
+          <a:p>
+            <a:r>
+              <a:rPr lang="en-US" dirty="0"/>
+              <a:t>Visual Studio Community </a:t>
+            </a:r>
+          </a:p>
+          <a:p>
+            <a:pPr lvl="1"/>
+            <a:r>
+              <a:rPr lang="en-US" dirty="0">
+                <a:hlinkClick r:id="rId3"/>
+              </a:rPr>
+              <a:t>https://</a:t>
+            </a:r>
+            <a:r>
+              <a:rPr lang="en-US" dirty="0" smtClean="0">
+                <a:hlinkClick r:id="rId3"/>
+              </a:rPr>
+              <a:t>www.visualstudio.com/products/visual-studio-community-vs</a:t>
+            </a:r>
+            <a:endParaRPr lang="en-US" dirty="0" smtClean="0"/>
+          </a:p>
+          <a:p>
+            <a:r>
+              <a:rPr lang="en-US" dirty="0" smtClean="0"/>
+              <a:t>PowerShell.org</a:t>
+            </a:r>
+          </a:p>
+          <a:p>
+            <a:r>
+              <a:rPr lang="en-US" dirty="0" smtClean="0"/>
+              <a:t>MDT </a:t>
+            </a:r>
+            <a:r>
+              <a:rPr lang="en-US" dirty="0"/>
+              <a:t>Team Blog </a:t>
+            </a:r>
+            <a:r>
+              <a:rPr lang="en-US" dirty="0">
+                <a:hlinkClick r:id="rId4"/>
+              </a:rPr>
+              <a:t>https://blogs.technet.microsoft.com/msdeployment</a:t>
+            </a:r>
+            <a:r>
+              <a:rPr lang="en-US" dirty="0" smtClean="0">
+                <a:hlinkClick r:id="rId4"/>
+              </a:rPr>
+              <a:t>/</a:t>
+            </a:r>
+            <a:endParaRPr lang="en-US" dirty="0" smtClean="0"/>
+          </a:p>
+          <a:p>
+            <a:r>
+              <a:rPr lang="en-US" dirty="0" smtClean="0"/>
+              <a:t>Configuration Manager </a:t>
+            </a:r>
+            <a:r>
+              <a:rPr lang="en-US" dirty="0"/>
+              <a:t>Team Blog </a:t>
+            </a:r>
+            <a:r>
+              <a:rPr lang="en-US" dirty="0">
+                <a:hlinkClick r:id="rId5"/>
+              </a:rPr>
+              <a:t>https://blogs.technet.microsoft.com/configurationmgr</a:t>
+            </a:r>
+            <a:r>
+              <a:rPr lang="en-US" dirty="0" smtClean="0">
+                <a:hlinkClick r:id="rId5"/>
+              </a:rPr>
+              <a:t>/</a:t>
+            </a:r>
+            <a:endParaRPr lang="en-US" dirty="0" smtClean="0"/>
+          </a:p>
+          <a:p>
+            <a:endParaRPr lang="en-US" dirty="0"/>
+          </a:p>
+        </p:txBody>
+      </p:sp>
+    </p:spTree>
+    <p:extLst>
+      <p:ext uri="{BB962C8B-B14F-4D97-AF65-F5344CB8AC3E}">
+        <p14:creationId xmlns:p14="http://schemas.microsoft.com/office/powerpoint/2010/main" val="3857756960"/>
+      </p:ext>
+    </p:extLst>
+  </p:cSld>
+  <p:clrMapOvr>
+    <a:masterClrMapping/>
+  </p:clrMapOvr>
+</p:sld>
+</file>
+
+<file path=ppt/slides/slide9.xml><?xml version="1.0" encoding="utf-8"?>
+<p:sld xmlns:a="http://schemas.openxmlformats.org/drawingml/2006/main" xmlns:r="http://schemas.openxmlformats.org/officeDocument/2006/relationships" xmlns:p="http://schemas.openxmlformats.org/presentationml/2006/main">
+  <p:cSld>
+    <p:spTree>
+      <p:nvGrpSpPr>
+        <p:cNvPr id="1" name=""/>
+        <p:cNvGrpSpPr/>
+        <p:nvPr/>
+      </p:nvGrpSpPr>
+      <p:grpSpPr>
+        <a:xfrm>
+          <a:off x="0" y="0"/>
+          <a:ext cx="0" cy="0"/>
+          <a:chOff x="0" y="0"/>
+          <a:chExt cx="0" cy="0"/>
+        </a:xfrm>
+      </p:grpSpPr>
+      <p:sp>
+        <p:nvSpPr>
+          <p:cNvPr id="2" name="Title 1"/>
+          <p:cNvSpPr>
+            <a:spLocks noGrp="1"/>
+          </p:cNvSpPr>
+          <p:nvPr>
+            <p:ph type="title"/>
+          </p:nvPr>
+        </p:nvSpPr>
+        <p:spPr/>
+        <p:txBody>
+          <a:bodyPr/>
+          <a:lstStyle/>
+          <a:p>
+            <a:r>
+              <a:rPr lang="en-US" dirty="0" smtClean="0"/>
+              <a:t>Questions? </a:t>
+            </a:r>
+            <a:endParaRPr lang="en-US" dirty="0"/>
+          </a:p>
+        </p:txBody>
+      </p:sp>
+      <p:sp>
+        <p:nvSpPr>
+          <p:cNvPr id="3" name="Content Placeholder 2"/>
+          <p:cNvSpPr>
+            <a:spLocks noGrp="1"/>
+          </p:cNvSpPr>
+          <p:nvPr>
+            <p:ph idx="1"/>
+          </p:nvPr>
+        </p:nvSpPr>
+        <p:spPr/>
+        <p:txBody>
+          <a:bodyPr/>
+          <a:lstStyle/>
+          <a:p>
+            <a:pPr marL="0" indent="0">
+              <a:buNone/>
+            </a:pPr>
+            <a:r>
+              <a:rPr lang="en-US" dirty="0" smtClean="0"/>
+              <a:t>Twitter </a:t>
+            </a:r>
+            <a:r>
+              <a:rPr lang="en-US" dirty="0"/>
+              <a:t>- @</a:t>
+            </a:r>
+            <a:r>
+              <a:rPr lang="en-US" dirty="0" err="1"/>
+              <a:t>MrBoDean</a:t>
+            </a:r>
+            <a:endParaRPr lang="en-US" dirty="0"/>
+          </a:p>
+          <a:p>
+            <a:pPr marL="0" indent="0">
+              <a:buNone/>
+            </a:pPr>
+            <a:r>
+              <a:rPr lang="en-US" dirty="0"/>
+              <a:t>LinkedIn -  https://www.linkedin.com/in/jonathanwarnken</a:t>
+            </a:r>
+          </a:p>
+          <a:p>
+            <a:pPr marL="0" indent="0">
+              <a:buNone/>
+            </a:pPr>
+            <a:r>
+              <a:rPr lang="en-US" dirty="0"/>
+              <a:t>Blog - http://mrbodean.azurewebsites.net</a:t>
+            </a:r>
+          </a:p>
+          <a:p>
+            <a:pPr marL="0" indent="0">
+              <a:buNone/>
+            </a:pPr>
+            <a:r>
+              <a:rPr lang="en-US" dirty="0"/>
+              <a:t>Email – jon.warnken@gmail.com </a:t>
+            </a:r>
+          </a:p>
+          <a:p>
+            <a:pPr marL="0" indent="0">
+              <a:buNone/>
+            </a:pPr>
+            <a:endParaRPr lang="en-US" dirty="0"/>
+          </a:p>
+        </p:txBody>
+      </p:sp>
+    </p:spTree>
+    <p:extLst>
+      <p:ext uri="{BB962C8B-B14F-4D97-AF65-F5344CB8AC3E}">
+        <p14:creationId xmlns:p14="http://schemas.microsoft.com/office/powerpoint/2010/main" val="1911686473"/>
+      </p:ext>
+    </p:extLst>
+  </p:cSld>
+  <p:clrMapOvr>
+    <a:masterClrMapping/>
+  </p:clrMapOvr>
 </p:sld>
 </file>
 
@@ -4925,7 +5846,7 @@
   <a:extraClrSchemeLst/>
   <a:extLst>
     <a:ext uri="{05A4C25C-085E-4340-85A3-A5531E510DB2}">
-      <thm15:themeFamily xmlns:thm15="http://schemas.microsoft.com/office/thememl/2012/main" name="Office Theme" id="{62F939B6-93AF-4DB8-9C6B-D6C7DFDC589F}" vid="{4A3C46E8-61CC-4603-A589-7422A47A8E4A}"/>
+      <thm15:themeFamily xmlns:thm15="http://schemas.microsoft.com/office/thememl/2012/main" xmlns="" name="Office Theme" id="{62F939B6-93AF-4DB8-9C6B-D6C7DFDC589F}" vid="{4A3C46E8-61CC-4603-A589-7422A47A8E4A}"/>
     </a:ext>
   </a:extLst>
 </a:theme>
@@ -5186,7 +6107,7 @@
   <a:extraClrSchemeLst/>
   <a:extLst>
     <a:ext uri="{05A4C25C-085E-4340-85A3-A5531E510DB2}">
-      <thm15:themeFamily xmlns:thm15="http://schemas.microsoft.com/office/thememl/2012/main" name="Office Theme" id="{62F939B6-93AF-4DB8-9C6B-D6C7DFDC589F}" vid="{4A3C46E8-61CC-4603-A589-7422A47A8E4A}"/>
+      <thm15:themeFamily xmlns:thm15="http://schemas.microsoft.com/office/thememl/2012/main" xmlns="" name="Office Theme" id="{62F939B6-93AF-4DB8-9C6B-D6C7DFDC589F}" vid="{4A3C46E8-61CC-4603-A589-7422A47A8E4A}"/>
     </a:ext>
   </a:extLst>
 </a:theme>

--- a/OSDMenu/Customizing OS Deployments in SCCM with PowerShell.pptx
+++ b/OSDMenu/Customizing OS Deployments in SCCM with PowerShell.pptx
@@ -115,6 +115,22 @@
       </a:defRPr>
     </a:lvl9pPr>
   </p:defaultTextStyle>
+  <p:extLst>
+    <p:ext uri="{EFAFB233-063F-42B5-8137-9DF3F51BA10A}">
+      <p15:sldGuideLst xmlns:p15="http://schemas.microsoft.com/office/powerpoint/2012/main">
+        <p15:guide id="1" orient="horz" pos="2160">
+          <p15:clr>
+            <a:srgbClr val="A4A3A4"/>
+          </p15:clr>
+        </p15:guide>
+        <p15:guide id="2" pos="3840">
+          <p15:clr>
+            <a:srgbClr val="A4A3A4"/>
+          </p15:clr>
+        </p15:guide>
+      </p15:sldGuideLst>
+    </p:ext>
+  </p:extLst>
 </p:presentation>
 </file>
 
@@ -4019,7 +4035,6 @@
               <a:rPr lang="en-US" dirty="0" smtClean="0"/>
               <a:t>mrbodean.azurewebsites.net</a:t>
             </a:r>
-            <a:endParaRPr lang="en-US" dirty="0" smtClean="0"/>
           </a:p>
           <a:p>
             <a:r>
@@ -5081,11 +5096,11 @@
           <a:p>
             <a:r>
               <a:rPr lang="en-US" dirty="0" smtClean="0"/>
-              <a:t>Create the </a:t>
-            </a:r>
-            <a:r>
-              <a:rPr lang="en-US" dirty="0" err="1" smtClean="0"/>
-              <a:t>Gui</a:t>
+              <a:t>Create </a:t>
+            </a:r>
+            <a:r>
+              <a:rPr lang="en-US" dirty="0" smtClean="0"/>
+              <a:t>the Menu</a:t>
             </a:r>
             <a:endParaRPr lang="en-US" dirty="0"/>
           </a:p>
@@ -5846,7 +5861,7 @@
   <a:extraClrSchemeLst/>
   <a:extLst>
     <a:ext uri="{05A4C25C-085E-4340-85A3-A5531E510DB2}">
-      <thm15:themeFamily xmlns:thm15="http://schemas.microsoft.com/office/thememl/2012/main" xmlns="" name="Office Theme" id="{62F939B6-93AF-4DB8-9C6B-D6C7DFDC589F}" vid="{4A3C46E8-61CC-4603-A589-7422A47A8E4A}"/>
+      <thm15:themeFamily xmlns:thm15="http://schemas.microsoft.com/office/thememl/2012/main" name="Office Theme" id="{62F939B6-93AF-4DB8-9C6B-D6C7DFDC589F}" vid="{4A3C46E8-61CC-4603-A589-7422A47A8E4A}"/>
     </a:ext>
   </a:extLst>
 </a:theme>
@@ -6107,7 +6122,7 @@
   <a:extraClrSchemeLst/>
   <a:extLst>
     <a:ext uri="{05A4C25C-085E-4340-85A3-A5531E510DB2}">
-      <thm15:themeFamily xmlns:thm15="http://schemas.microsoft.com/office/thememl/2012/main" xmlns="" name="Office Theme" id="{62F939B6-93AF-4DB8-9C6B-D6C7DFDC589F}" vid="{4A3C46E8-61CC-4603-A589-7422A47A8E4A}"/>
+      <thm15:themeFamily xmlns:thm15="http://schemas.microsoft.com/office/thememl/2012/main" name="Office Theme" id="{62F939B6-93AF-4DB8-9C6B-D6C7DFDC589F}" vid="{4A3C46E8-61CC-4603-A589-7422A47A8E4A}"/>
     </a:ext>
   </a:extLst>
 </a:theme>

--- a/OSDMenu/Customizing OS Deployments in SCCM with PowerShell.pptx
+++ b/OSDMenu/Customizing OS Deployments in SCCM with PowerShell.pptx
@@ -216,7 +216,7 @@
           <a:p>
             <a:fld id="{AB264551-7C9D-4291-8B64-79E35EDBBFDA}" type="datetimeFigureOut">
               <a:rPr lang="en-US" smtClean="0"/>
-              <a:t>6/8/2016</a:t>
+              <a:t>8/19/2016</a:t>
             </a:fld>
             <a:endParaRPr lang="en-US"/>
           </a:p>
@@ -1172,7 +1172,7 @@
           <a:p>
             <a:fld id="{C764DE79-268F-4C1A-8933-263129D2AF90}" type="datetimeFigureOut">
               <a:rPr lang="en-US" dirty="0"/>
-              <a:t>6/8/2016</a:t>
+              <a:t>8/19/2016</a:t>
             </a:fld>
             <a:endParaRPr lang="en-US" dirty="0"/>
           </a:p>
@@ -1337,7 +1337,7 @@
           <a:p>
             <a:fld id="{C764DE79-268F-4C1A-8933-263129D2AF90}" type="datetimeFigureOut">
               <a:rPr lang="en-US" dirty="0"/>
-              <a:t>6/8/2016</a:t>
+              <a:t>8/19/2016</a:t>
             </a:fld>
             <a:endParaRPr lang="en-US" dirty="0"/>
           </a:p>
@@ -1512,7 +1512,7 @@
           <a:p>
             <a:fld id="{C764DE79-268F-4C1A-8933-263129D2AF90}" type="datetimeFigureOut">
               <a:rPr lang="en-US" dirty="0"/>
-              <a:t>6/8/2016</a:t>
+              <a:t>8/19/2016</a:t>
             </a:fld>
             <a:endParaRPr lang="en-US" dirty="0"/>
           </a:p>
@@ -1677,7 +1677,7 @@
           <a:p>
             <a:fld id="{C764DE79-268F-4C1A-8933-263129D2AF90}" type="datetimeFigureOut">
               <a:rPr lang="en-US" dirty="0"/>
-              <a:t>6/8/2016</a:t>
+              <a:t>8/19/2016</a:t>
             </a:fld>
             <a:endParaRPr lang="en-US" dirty="0"/>
           </a:p>
@@ -1918,7 +1918,7 @@
           <a:p>
             <a:fld id="{C764DE79-268F-4C1A-8933-263129D2AF90}" type="datetimeFigureOut">
               <a:rPr lang="en-US" dirty="0"/>
-              <a:t>6/8/2016</a:t>
+              <a:t>8/19/2016</a:t>
             </a:fld>
             <a:endParaRPr lang="en-US" dirty="0"/>
           </a:p>
@@ -2145,7 +2145,7 @@
           <a:p>
             <a:fld id="{C764DE79-268F-4C1A-8933-263129D2AF90}" type="datetimeFigureOut">
               <a:rPr lang="en-US" dirty="0"/>
-              <a:t>6/8/2016</a:t>
+              <a:t>8/19/2016</a:t>
             </a:fld>
             <a:endParaRPr lang="en-US" dirty="0"/>
           </a:p>
@@ -2507,7 +2507,7 @@
           <a:p>
             <a:fld id="{C764DE79-268F-4C1A-8933-263129D2AF90}" type="datetimeFigureOut">
               <a:rPr lang="en-US" dirty="0"/>
-              <a:t>6/8/2016</a:t>
+              <a:t>8/19/2016</a:t>
             </a:fld>
             <a:endParaRPr lang="en-US" dirty="0"/>
           </a:p>
@@ -2620,7 +2620,7 @@
           <a:p>
             <a:fld id="{C764DE79-268F-4C1A-8933-263129D2AF90}" type="datetimeFigureOut">
               <a:rPr lang="en-US" dirty="0"/>
-              <a:t>6/8/2016</a:t>
+              <a:t>8/19/2016</a:t>
             </a:fld>
             <a:endParaRPr lang="en-US" dirty="0"/>
           </a:p>
@@ -2710,7 +2710,7 @@
           <a:p>
             <a:fld id="{C764DE79-268F-4C1A-8933-263129D2AF90}" type="datetimeFigureOut">
               <a:rPr lang="en-US" dirty="0"/>
-              <a:t>6/8/2016</a:t>
+              <a:t>8/19/2016</a:t>
             </a:fld>
             <a:endParaRPr lang="en-US" dirty="0"/>
           </a:p>
@@ -2982,7 +2982,7 @@
           <a:p>
             <a:fld id="{C764DE79-268F-4C1A-8933-263129D2AF90}" type="datetimeFigureOut">
               <a:rPr lang="en-US" dirty="0"/>
-              <a:t>6/8/2016</a:t>
+              <a:t>8/19/2016</a:t>
             </a:fld>
             <a:endParaRPr lang="en-US" dirty="0"/>
           </a:p>
@@ -3234,7 +3234,7 @@
           <a:p>
             <a:fld id="{C764DE79-268F-4C1A-8933-263129D2AF90}" type="datetimeFigureOut">
               <a:rPr lang="en-US" dirty="0"/>
-              <a:t>6/8/2016</a:t>
+              <a:t>8/19/2016</a:t>
             </a:fld>
             <a:endParaRPr lang="en-US" dirty="0"/>
           </a:p>
@@ -3442,7 +3442,7 @@
           <a:p>
             <a:fld id="{C764DE79-268F-4C1A-8933-263129D2AF90}" type="datetimeFigureOut">
               <a:rPr lang="en-US" dirty="0"/>
-              <a:t>6/8/2016</a:t>
+              <a:t>8/19/2016</a:t>
             </a:fld>
             <a:endParaRPr lang="en-US" dirty="0"/>
           </a:p>
@@ -3881,7 +3881,15 @@
           <a:p>
             <a:r>
               <a:rPr lang="en-US" dirty="0" smtClean="0"/>
-              <a:t>IT Pro Camp Jacksonville 2016</a:t>
+              <a:t>IT Pro </a:t>
+            </a:r>
+            <a:r>
+              <a:rPr lang="en-US" dirty="0" smtClean="0"/>
+              <a:t>Camps </a:t>
+            </a:r>
+            <a:r>
+              <a:rPr lang="en-US" dirty="0" smtClean="0"/>
+              <a:t>2016</a:t>
             </a:r>
             <a:endParaRPr lang="en-US" dirty="0"/>
           </a:p>
@@ -5096,11 +5104,7 @@
           <a:p>
             <a:r>
               <a:rPr lang="en-US" dirty="0" smtClean="0"/>
-              <a:t>Create </a:t>
-            </a:r>
-            <a:r>
-              <a:rPr lang="en-US" dirty="0" smtClean="0"/>
-              <a:t>the Menu</a:t>
+              <a:t>Create the Menu</a:t>
             </a:r>
             <a:endParaRPr lang="en-US" dirty="0"/>
           </a:p>
